--- a/test/xiang/test.pptx
+++ b/test/xiang/test.pptx
@@ -1,11 +1,11 @@
 
 <file path=ppt/presentation.xml><?xml version="1.0" encoding="utf-8"?>
-<p:presentation xmlns:a="http://schemas.openxmlformats.org/drawingml/2006/main" xmlns:r="http://schemas.openxmlformats.org/officeDocument/2006/relationships" xmlns:p="http://schemas.openxmlformats.org/presentationml/2006/main">
+<p:presentation xmlns:a="http://schemas.openxmlformats.org/drawingml/2006/main" xmlns:r="http://schemas.openxmlformats.org/officeDocument/2006/relationships" xmlns:p="http://schemas.openxmlformats.org/presentationml/2006/main" saveSubsetFonts="1">
   <p:sldMasterIdLst>
     <p:sldMasterId id="2147483648" r:id="rId1"/>
   </p:sldMasterIdLst>
   <p:sldIdLst>
-    <p:sldId id="256" r:id="rId3"/>
+    <p:sldId id="256" r:id="rId2"/>
   </p:sldIdLst>
   <p:sldSz cx="9144000" cy="6858000" type="screen4x3"/>
   <p:notesSz cx="6858000" cy="9144000"/>
@@ -288,6 +288,7 @@
           <a:p>
             <a:fld id="{530820CF-B880-4189-942D-D702A7CBA730}" type="datetimeFigureOut">
               <a:rPr lang="zh-CN" altLang="en-US" smtClean="0"/>
+              <a:t>2020/9/10</a:t>
             </a:fld>
             <a:endParaRPr lang="zh-CN" altLang="en-US"/>
           </a:p>
@@ -329,6 +330,7 @@
           <a:p>
             <a:fld id="{0C913308-F349-4B6D-A68A-DD1791B4A57B}" type="slidenum">
               <a:rPr lang="zh-CN" altLang="en-US" smtClean="0"/>
+              <a:t>‹#›</a:t>
             </a:fld>
             <a:endParaRPr lang="zh-CN" altLang="en-US"/>
           </a:p>
@@ -402,7 +404,6 @@
               <a:rPr lang="zh-CN" altLang="en-US" smtClean="0"/>
               <a:t>单击此处编辑母版文本样式</a:t>
             </a:r>
-            <a:endParaRPr lang="zh-CN" altLang="en-US" smtClean="0"/>
           </a:p>
           <a:p>
             <a:pPr lvl="1"/>
@@ -410,7 +411,6 @@
               <a:rPr lang="zh-CN" altLang="en-US" smtClean="0"/>
               <a:t>第二级</a:t>
             </a:r>
-            <a:endParaRPr lang="zh-CN" altLang="en-US" smtClean="0"/>
           </a:p>
           <a:p>
             <a:pPr lvl="2"/>
@@ -418,7 +418,6 @@
               <a:rPr lang="zh-CN" altLang="en-US" smtClean="0"/>
               <a:t>第三级</a:t>
             </a:r>
-            <a:endParaRPr lang="zh-CN" altLang="en-US" smtClean="0"/>
           </a:p>
           <a:p>
             <a:pPr lvl="3"/>
@@ -426,7 +425,6 @@
               <a:rPr lang="zh-CN" altLang="en-US" smtClean="0"/>
               <a:t>第四级</a:t>
             </a:r>
-            <a:endParaRPr lang="zh-CN" altLang="en-US" smtClean="0"/>
           </a:p>
           <a:p>
             <a:pPr lvl="4"/>
@@ -455,6 +453,7 @@
           <a:p>
             <a:fld id="{530820CF-B880-4189-942D-D702A7CBA730}" type="datetimeFigureOut">
               <a:rPr lang="zh-CN" altLang="en-US" smtClean="0"/>
+              <a:t>2020/9/10</a:t>
             </a:fld>
             <a:endParaRPr lang="zh-CN" altLang="en-US"/>
           </a:p>
@@ -496,6 +495,7 @@
           <a:p>
             <a:fld id="{0C913308-F349-4B6D-A68A-DD1791B4A57B}" type="slidenum">
               <a:rPr lang="zh-CN" altLang="en-US" smtClean="0"/>
+              <a:t>‹#›</a:t>
             </a:fld>
             <a:endParaRPr lang="zh-CN" altLang="en-US"/>
           </a:p>
@@ -579,7 +579,6 @@
               <a:rPr lang="zh-CN" altLang="en-US" smtClean="0"/>
               <a:t>单击此处编辑母版文本样式</a:t>
             </a:r>
-            <a:endParaRPr lang="zh-CN" altLang="en-US" smtClean="0"/>
           </a:p>
           <a:p>
             <a:pPr lvl="1"/>
@@ -587,7 +586,6 @@
               <a:rPr lang="zh-CN" altLang="en-US" smtClean="0"/>
               <a:t>第二级</a:t>
             </a:r>
-            <a:endParaRPr lang="zh-CN" altLang="en-US" smtClean="0"/>
           </a:p>
           <a:p>
             <a:pPr lvl="2"/>
@@ -595,7 +593,6 @@
               <a:rPr lang="zh-CN" altLang="en-US" smtClean="0"/>
               <a:t>第三级</a:t>
             </a:r>
-            <a:endParaRPr lang="zh-CN" altLang="en-US" smtClean="0"/>
           </a:p>
           <a:p>
             <a:pPr lvl="3"/>
@@ -603,7 +600,6 @@
               <a:rPr lang="zh-CN" altLang="en-US" smtClean="0"/>
               <a:t>第四级</a:t>
             </a:r>
-            <a:endParaRPr lang="zh-CN" altLang="en-US" smtClean="0"/>
           </a:p>
           <a:p>
             <a:pPr lvl="4"/>
@@ -632,6 +628,7 @@
           <a:p>
             <a:fld id="{530820CF-B880-4189-942D-D702A7CBA730}" type="datetimeFigureOut">
               <a:rPr lang="zh-CN" altLang="en-US" smtClean="0"/>
+              <a:t>2020/9/10</a:t>
             </a:fld>
             <a:endParaRPr lang="zh-CN" altLang="en-US"/>
           </a:p>
@@ -673,6 +670,7 @@
           <a:p>
             <a:fld id="{0C913308-F349-4B6D-A68A-DD1791B4A57B}" type="slidenum">
               <a:rPr lang="zh-CN" altLang="en-US" smtClean="0"/>
+              <a:t>‹#›</a:t>
             </a:fld>
             <a:endParaRPr lang="zh-CN" altLang="en-US"/>
           </a:p>
@@ -746,7 +744,6 @@
               <a:rPr lang="zh-CN" altLang="en-US" smtClean="0"/>
               <a:t>单击此处编辑母版文本样式</a:t>
             </a:r>
-            <a:endParaRPr lang="zh-CN" altLang="en-US" smtClean="0"/>
           </a:p>
           <a:p>
             <a:pPr lvl="1"/>
@@ -754,7 +751,6 @@
               <a:rPr lang="zh-CN" altLang="en-US" smtClean="0"/>
               <a:t>第二级</a:t>
             </a:r>
-            <a:endParaRPr lang="zh-CN" altLang="en-US" smtClean="0"/>
           </a:p>
           <a:p>
             <a:pPr lvl="2"/>
@@ -762,7 +758,6 @@
               <a:rPr lang="zh-CN" altLang="en-US" smtClean="0"/>
               <a:t>第三级</a:t>
             </a:r>
-            <a:endParaRPr lang="zh-CN" altLang="en-US" smtClean="0"/>
           </a:p>
           <a:p>
             <a:pPr lvl="3"/>
@@ -770,7 +765,6 @@
               <a:rPr lang="zh-CN" altLang="en-US" smtClean="0"/>
               <a:t>第四级</a:t>
             </a:r>
-            <a:endParaRPr lang="zh-CN" altLang="en-US" smtClean="0"/>
           </a:p>
           <a:p>
             <a:pPr lvl="4"/>
@@ -799,6 +793,7 @@
           <a:p>
             <a:fld id="{530820CF-B880-4189-942D-D702A7CBA730}" type="datetimeFigureOut">
               <a:rPr lang="zh-CN" altLang="en-US" smtClean="0"/>
+              <a:t>2020/9/10</a:t>
             </a:fld>
             <a:endParaRPr lang="zh-CN" altLang="en-US"/>
           </a:p>
@@ -840,6 +835,7 @@
           <a:p>
             <a:fld id="{0C913308-F349-4B6D-A68A-DD1791B4A57B}" type="slidenum">
               <a:rPr lang="zh-CN" altLang="en-US" smtClean="0"/>
+              <a:t>‹#›</a:t>
             </a:fld>
             <a:endParaRPr lang="zh-CN" altLang="en-US"/>
           </a:p>
@@ -1018,7 +1014,6 @@
               <a:rPr lang="zh-CN" altLang="en-US" smtClean="0"/>
               <a:t>单击此处编辑母版文本样式</a:t>
             </a:r>
-            <a:endParaRPr lang="zh-CN" altLang="en-US" smtClean="0"/>
           </a:p>
         </p:txBody>
       </p:sp>
@@ -1039,6 +1034,7 @@
           <a:p>
             <a:fld id="{530820CF-B880-4189-942D-D702A7CBA730}" type="datetimeFigureOut">
               <a:rPr lang="zh-CN" altLang="en-US" smtClean="0"/>
+              <a:t>2020/9/10</a:t>
             </a:fld>
             <a:endParaRPr lang="zh-CN" altLang="en-US"/>
           </a:p>
@@ -1080,6 +1076,7 @@
           <a:p>
             <a:fld id="{0C913308-F349-4B6D-A68A-DD1791B4A57B}" type="slidenum">
               <a:rPr lang="zh-CN" altLang="en-US" smtClean="0"/>
+              <a:t>‹#›</a:t>
             </a:fld>
             <a:endParaRPr lang="zh-CN" altLang="en-US"/>
           </a:p>
@@ -1186,7 +1183,6 @@
               <a:rPr lang="zh-CN" altLang="en-US" smtClean="0"/>
               <a:t>单击此处编辑母版文本样式</a:t>
             </a:r>
-            <a:endParaRPr lang="zh-CN" altLang="en-US" smtClean="0"/>
           </a:p>
           <a:p>
             <a:pPr lvl="1"/>
@@ -1194,7 +1190,6 @@
               <a:rPr lang="zh-CN" altLang="en-US" smtClean="0"/>
               <a:t>第二级</a:t>
             </a:r>
-            <a:endParaRPr lang="zh-CN" altLang="en-US" smtClean="0"/>
           </a:p>
           <a:p>
             <a:pPr lvl="2"/>
@@ -1202,7 +1197,6 @@
               <a:rPr lang="zh-CN" altLang="en-US" smtClean="0"/>
               <a:t>第三级</a:t>
             </a:r>
-            <a:endParaRPr lang="zh-CN" altLang="en-US" smtClean="0"/>
           </a:p>
           <a:p>
             <a:pPr lvl="3"/>
@@ -1210,7 +1204,6 @@
               <a:rPr lang="zh-CN" altLang="en-US" smtClean="0"/>
               <a:t>第四级</a:t>
             </a:r>
-            <a:endParaRPr lang="zh-CN" altLang="en-US" smtClean="0"/>
           </a:p>
           <a:p>
             <a:pPr lvl="4"/>
@@ -1275,7 +1268,6 @@
               <a:rPr lang="zh-CN" altLang="en-US" smtClean="0"/>
               <a:t>单击此处编辑母版文本样式</a:t>
             </a:r>
-            <a:endParaRPr lang="zh-CN" altLang="en-US" smtClean="0"/>
           </a:p>
           <a:p>
             <a:pPr lvl="1"/>
@@ -1283,7 +1275,6 @@
               <a:rPr lang="zh-CN" altLang="en-US" smtClean="0"/>
               <a:t>第二级</a:t>
             </a:r>
-            <a:endParaRPr lang="zh-CN" altLang="en-US" smtClean="0"/>
           </a:p>
           <a:p>
             <a:pPr lvl="2"/>
@@ -1291,7 +1282,6 @@
               <a:rPr lang="zh-CN" altLang="en-US" smtClean="0"/>
               <a:t>第三级</a:t>
             </a:r>
-            <a:endParaRPr lang="zh-CN" altLang="en-US" smtClean="0"/>
           </a:p>
           <a:p>
             <a:pPr lvl="3"/>
@@ -1299,7 +1289,6 @@
               <a:rPr lang="zh-CN" altLang="en-US" smtClean="0"/>
               <a:t>第四级</a:t>
             </a:r>
-            <a:endParaRPr lang="zh-CN" altLang="en-US" smtClean="0"/>
           </a:p>
           <a:p>
             <a:pPr lvl="4"/>
@@ -1328,6 +1317,7 @@
           <a:p>
             <a:fld id="{530820CF-B880-4189-942D-D702A7CBA730}" type="datetimeFigureOut">
               <a:rPr lang="zh-CN" altLang="en-US" smtClean="0"/>
+              <a:t>2020/9/10</a:t>
             </a:fld>
             <a:endParaRPr lang="zh-CN" altLang="en-US"/>
           </a:p>
@@ -1369,6 +1359,7 @@
           <a:p>
             <a:fld id="{0C913308-F349-4B6D-A68A-DD1791B4A57B}" type="slidenum">
               <a:rPr lang="zh-CN" altLang="en-US" smtClean="0"/>
+              <a:t>‹#›</a:t>
             </a:fld>
             <a:endParaRPr lang="zh-CN" altLang="en-US"/>
           </a:p>
@@ -1488,7 +1479,6 @@
               <a:rPr lang="zh-CN" altLang="en-US" smtClean="0"/>
               <a:t>单击此处编辑母版文本样式</a:t>
             </a:r>
-            <a:endParaRPr lang="zh-CN" altLang="en-US" smtClean="0"/>
           </a:p>
         </p:txBody>
       </p:sp>
@@ -1545,7 +1535,6 @@
               <a:rPr lang="zh-CN" altLang="en-US" smtClean="0"/>
               <a:t>单击此处编辑母版文本样式</a:t>
             </a:r>
-            <a:endParaRPr lang="zh-CN" altLang="en-US" smtClean="0"/>
           </a:p>
           <a:p>
             <a:pPr lvl="1"/>
@@ -1553,7 +1542,6 @@
               <a:rPr lang="zh-CN" altLang="en-US" smtClean="0"/>
               <a:t>第二级</a:t>
             </a:r>
-            <a:endParaRPr lang="zh-CN" altLang="en-US" smtClean="0"/>
           </a:p>
           <a:p>
             <a:pPr lvl="2"/>
@@ -1561,7 +1549,6 @@
               <a:rPr lang="zh-CN" altLang="en-US" smtClean="0"/>
               <a:t>第三级</a:t>
             </a:r>
-            <a:endParaRPr lang="zh-CN" altLang="en-US" smtClean="0"/>
           </a:p>
           <a:p>
             <a:pPr lvl="3"/>
@@ -1569,7 +1556,6 @@
               <a:rPr lang="zh-CN" altLang="en-US" smtClean="0"/>
               <a:t>第四级</a:t>
             </a:r>
-            <a:endParaRPr lang="zh-CN" altLang="en-US" smtClean="0"/>
           </a:p>
           <a:p>
             <a:pPr lvl="4"/>
@@ -1643,7 +1629,6 @@
               <a:rPr lang="zh-CN" altLang="en-US" smtClean="0"/>
               <a:t>单击此处编辑母版文本样式</a:t>
             </a:r>
-            <a:endParaRPr lang="zh-CN" altLang="en-US" smtClean="0"/>
           </a:p>
         </p:txBody>
       </p:sp>
@@ -1700,7 +1685,6 @@
               <a:rPr lang="zh-CN" altLang="en-US" smtClean="0"/>
               <a:t>单击此处编辑母版文本样式</a:t>
             </a:r>
-            <a:endParaRPr lang="zh-CN" altLang="en-US" smtClean="0"/>
           </a:p>
           <a:p>
             <a:pPr lvl="1"/>
@@ -1708,7 +1692,6 @@
               <a:rPr lang="zh-CN" altLang="en-US" smtClean="0"/>
               <a:t>第二级</a:t>
             </a:r>
-            <a:endParaRPr lang="zh-CN" altLang="en-US" smtClean="0"/>
           </a:p>
           <a:p>
             <a:pPr lvl="2"/>
@@ -1716,7 +1699,6 @@
               <a:rPr lang="zh-CN" altLang="en-US" smtClean="0"/>
               <a:t>第三级</a:t>
             </a:r>
-            <a:endParaRPr lang="zh-CN" altLang="en-US" smtClean="0"/>
           </a:p>
           <a:p>
             <a:pPr lvl="3"/>
@@ -1724,7 +1706,6 @@
               <a:rPr lang="zh-CN" altLang="en-US" smtClean="0"/>
               <a:t>第四级</a:t>
             </a:r>
-            <a:endParaRPr lang="zh-CN" altLang="en-US" smtClean="0"/>
           </a:p>
           <a:p>
             <a:pPr lvl="4"/>
@@ -1753,6 +1734,7 @@
           <a:p>
             <a:fld id="{530820CF-B880-4189-942D-D702A7CBA730}" type="datetimeFigureOut">
               <a:rPr lang="zh-CN" altLang="en-US" smtClean="0"/>
+              <a:t>2020/9/10</a:t>
             </a:fld>
             <a:endParaRPr lang="zh-CN" altLang="en-US"/>
           </a:p>
@@ -1794,6 +1776,7 @@
           <a:p>
             <a:fld id="{0C913308-F349-4B6D-A68A-DD1791B4A57B}" type="slidenum">
               <a:rPr lang="zh-CN" altLang="en-US" smtClean="0"/>
+              <a:t>‹#›</a:t>
             </a:fld>
             <a:endParaRPr lang="zh-CN" altLang="en-US"/>
           </a:p>
@@ -1864,6 +1847,7 @@
           <a:p>
             <a:fld id="{530820CF-B880-4189-942D-D702A7CBA730}" type="datetimeFigureOut">
               <a:rPr lang="zh-CN" altLang="en-US" smtClean="0"/>
+              <a:t>2020/9/10</a:t>
             </a:fld>
             <a:endParaRPr lang="zh-CN" altLang="en-US"/>
           </a:p>
@@ -1905,6 +1889,7 @@
           <a:p>
             <a:fld id="{0C913308-F349-4B6D-A68A-DD1791B4A57B}" type="slidenum">
               <a:rPr lang="zh-CN" altLang="en-US" smtClean="0"/>
+              <a:t>‹#›</a:t>
             </a:fld>
             <a:endParaRPr lang="zh-CN" altLang="en-US"/>
           </a:p>
@@ -1952,6 +1937,7 @@
           <a:p>
             <a:fld id="{530820CF-B880-4189-942D-D702A7CBA730}" type="datetimeFigureOut">
               <a:rPr lang="zh-CN" altLang="en-US" smtClean="0"/>
+              <a:t>2020/9/10</a:t>
             </a:fld>
             <a:endParaRPr lang="zh-CN" altLang="en-US"/>
           </a:p>
@@ -1993,6 +1979,7 @@
           <a:p>
             <a:fld id="{0C913308-F349-4B6D-A68A-DD1791B4A57B}" type="slidenum">
               <a:rPr lang="zh-CN" altLang="en-US" smtClean="0"/>
+              <a:t>‹#›</a:t>
             </a:fld>
             <a:endParaRPr lang="zh-CN" altLang="en-US"/>
           </a:p>
@@ -2108,7 +2095,6 @@
               <a:rPr lang="zh-CN" altLang="en-US" smtClean="0"/>
               <a:t>单击此处编辑母版文本样式</a:t>
             </a:r>
-            <a:endParaRPr lang="zh-CN" altLang="en-US" smtClean="0"/>
           </a:p>
           <a:p>
             <a:pPr lvl="1"/>
@@ -2116,7 +2102,6 @@
               <a:rPr lang="zh-CN" altLang="en-US" smtClean="0"/>
               <a:t>第二级</a:t>
             </a:r>
-            <a:endParaRPr lang="zh-CN" altLang="en-US" smtClean="0"/>
           </a:p>
           <a:p>
             <a:pPr lvl="2"/>
@@ -2124,7 +2109,6 @@
               <a:rPr lang="zh-CN" altLang="en-US" smtClean="0"/>
               <a:t>第三级</a:t>
             </a:r>
-            <a:endParaRPr lang="zh-CN" altLang="en-US" smtClean="0"/>
           </a:p>
           <a:p>
             <a:pPr lvl="3"/>
@@ -2132,7 +2116,6 @@
               <a:rPr lang="zh-CN" altLang="en-US" smtClean="0"/>
               <a:t>第四级</a:t>
             </a:r>
-            <a:endParaRPr lang="zh-CN" altLang="en-US" smtClean="0"/>
           </a:p>
           <a:p>
             <a:pPr lvl="4"/>
@@ -2206,7 +2189,6 @@
               <a:rPr lang="zh-CN" altLang="en-US" smtClean="0"/>
               <a:t>单击此处编辑母版文本样式</a:t>
             </a:r>
-            <a:endParaRPr lang="zh-CN" altLang="en-US" smtClean="0"/>
           </a:p>
         </p:txBody>
       </p:sp>
@@ -2227,6 +2209,7 @@
           <a:p>
             <a:fld id="{530820CF-B880-4189-942D-D702A7CBA730}" type="datetimeFigureOut">
               <a:rPr lang="zh-CN" altLang="en-US" smtClean="0"/>
+              <a:t>2020/9/10</a:t>
             </a:fld>
             <a:endParaRPr lang="zh-CN" altLang="en-US"/>
           </a:p>
@@ -2268,6 +2251,7 @@
           <a:p>
             <a:fld id="{0C913308-F349-4B6D-A68A-DD1791B4A57B}" type="slidenum">
               <a:rPr lang="zh-CN" altLang="en-US" smtClean="0"/>
+              <a:t>‹#›</a:t>
             </a:fld>
             <a:endParaRPr lang="zh-CN" altLang="en-US"/>
           </a:p>
@@ -2453,7 +2437,6 @@
               <a:rPr lang="zh-CN" altLang="en-US" smtClean="0"/>
               <a:t>单击此处编辑母版文本样式</a:t>
             </a:r>
-            <a:endParaRPr lang="zh-CN" altLang="en-US" smtClean="0"/>
           </a:p>
         </p:txBody>
       </p:sp>
@@ -2474,6 +2457,7 @@
           <a:p>
             <a:fld id="{530820CF-B880-4189-942D-D702A7CBA730}" type="datetimeFigureOut">
               <a:rPr lang="zh-CN" altLang="en-US" smtClean="0"/>
+              <a:t>2020/9/10</a:t>
             </a:fld>
             <a:endParaRPr lang="zh-CN" altLang="en-US"/>
           </a:p>
@@ -2515,6 +2499,7 @@
           <a:p>
             <a:fld id="{0C913308-F349-4B6D-A68A-DD1791B4A57B}" type="slidenum">
               <a:rPr lang="zh-CN" altLang="en-US" smtClean="0"/>
+              <a:t>‹#›</a:t>
             </a:fld>
             <a:endParaRPr lang="zh-CN" altLang="en-US"/>
           </a:p>
@@ -2613,7 +2598,6 @@
               <a:rPr lang="zh-CN" altLang="en-US" smtClean="0"/>
               <a:t>单击此处编辑母版文本样式</a:t>
             </a:r>
-            <a:endParaRPr lang="zh-CN" altLang="en-US" smtClean="0"/>
           </a:p>
           <a:p>
             <a:pPr lvl="1"/>
@@ -2621,7 +2605,6 @@
               <a:rPr lang="zh-CN" altLang="en-US" smtClean="0"/>
               <a:t>第二级</a:t>
             </a:r>
-            <a:endParaRPr lang="zh-CN" altLang="en-US" smtClean="0"/>
           </a:p>
           <a:p>
             <a:pPr lvl="2"/>
@@ -2629,7 +2612,6 @@
               <a:rPr lang="zh-CN" altLang="en-US" smtClean="0"/>
               <a:t>第三级</a:t>
             </a:r>
-            <a:endParaRPr lang="zh-CN" altLang="en-US" smtClean="0"/>
           </a:p>
           <a:p>
             <a:pPr lvl="3"/>
@@ -2637,7 +2619,6 @@
               <a:rPr lang="zh-CN" altLang="en-US" smtClean="0"/>
               <a:t>第四级</a:t>
             </a:r>
-            <a:endParaRPr lang="zh-CN" altLang="en-US" smtClean="0"/>
           </a:p>
           <a:p>
             <a:pPr lvl="4"/>
@@ -2684,6 +2665,7 @@
           <a:p>
             <a:fld id="{530820CF-B880-4189-942D-D702A7CBA730}" type="datetimeFigureOut">
               <a:rPr lang="zh-CN" altLang="en-US" smtClean="0"/>
+              <a:t>2020/9/10</a:t>
             </a:fld>
             <a:endParaRPr lang="zh-CN" altLang="en-US"/>
           </a:p>
@@ -2761,6 +2743,7 @@
           <a:p>
             <a:fld id="{0C913308-F349-4B6D-A68A-DD1791B4A57B}" type="slidenum">
               <a:rPr lang="zh-CN" altLang="en-US" smtClean="0"/>
+              <a:t>‹#›</a:t>
             </a:fld>
             <a:endParaRPr lang="zh-CN" altLang="en-US"/>
           </a:p>
@@ -2804,7 +2787,7 @@
         <a:spcBef>
           <a:spcPct val="20000"/>
         </a:spcBef>
-        <a:buFont typeface="Arial" panose="020B0604020202020204" pitchFamily="34" charset="0"/>
+        <a:buFont typeface="Arial" pitchFamily="34" charset="0"/>
         <a:buChar char="•"/>
         <a:defRPr sz="3200" kern="1200">
           <a:solidFill>
@@ -2819,7 +2802,7 @@
         <a:spcBef>
           <a:spcPct val="20000"/>
         </a:spcBef>
-        <a:buFont typeface="Arial" panose="020B0604020202020204" pitchFamily="34" charset="0"/>
+        <a:buFont typeface="Arial" pitchFamily="34" charset="0"/>
         <a:buChar char="–"/>
         <a:defRPr sz="2800" kern="1200">
           <a:solidFill>
@@ -2834,7 +2817,7 @@
         <a:spcBef>
           <a:spcPct val="20000"/>
         </a:spcBef>
-        <a:buFont typeface="Arial" panose="020B0604020202020204" pitchFamily="34" charset="0"/>
+        <a:buFont typeface="Arial" pitchFamily="34" charset="0"/>
         <a:buChar char="•"/>
         <a:defRPr sz="2400" kern="1200">
           <a:solidFill>
@@ -2849,7 +2832,7 @@
         <a:spcBef>
           <a:spcPct val="20000"/>
         </a:spcBef>
-        <a:buFont typeface="Arial" panose="020B0604020202020204" pitchFamily="34" charset="0"/>
+        <a:buFont typeface="Arial" pitchFamily="34" charset="0"/>
         <a:buChar char="–"/>
         <a:defRPr sz="2000" kern="1200">
           <a:solidFill>
@@ -2864,7 +2847,7 @@
         <a:spcBef>
           <a:spcPct val="20000"/>
         </a:spcBef>
-        <a:buFont typeface="Arial" panose="020B0604020202020204" pitchFamily="34" charset="0"/>
+        <a:buFont typeface="Arial" pitchFamily="34" charset="0"/>
         <a:buChar char="»"/>
         <a:defRPr sz="2000" kern="1200">
           <a:solidFill>
@@ -2879,7 +2862,7 @@
         <a:spcBef>
           <a:spcPct val="20000"/>
         </a:spcBef>
-        <a:buFont typeface="Arial" panose="020B0604020202020204" pitchFamily="34" charset="0"/>
+        <a:buFont typeface="Arial" pitchFamily="34" charset="0"/>
         <a:buChar char="•"/>
         <a:defRPr sz="2000" kern="1200">
           <a:solidFill>
@@ -2894,7 +2877,7 @@
         <a:spcBef>
           <a:spcPct val="20000"/>
         </a:spcBef>
-        <a:buFont typeface="Arial" panose="020B0604020202020204" pitchFamily="34" charset="0"/>
+        <a:buFont typeface="Arial" pitchFamily="34" charset="0"/>
         <a:buChar char="•"/>
         <a:defRPr sz="2000" kern="1200">
           <a:solidFill>
@@ -2909,7 +2892,7 @@
         <a:spcBef>
           <a:spcPct val="20000"/>
         </a:spcBef>
-        <a:buFont typeface="Arial" panose="020B0604020202020204" pitchFamily="34" charset="0"/>
+        <a:buFont typeface="Arial" pitchFamily="34" charset="0"/>
         <a:buChar char="•"/>
         <a:defRPr sz="2000" kern="1200">
           <a:solidFill>
@@ -2924,7 +2907,7 @@
         <a:spcBef>
           <a:spcPct val="20000"/>
         </a:spcBef>
-        <a:buFont typeface="Arial" panose="020B0604020202020204" pitchFamily="34" charset="0"/>
+        <a:buFont typeface="Arial" pitchFamily="34" charset="0"/>
         <a:buChar char="•"/>
         <a:defRPr sz="2000" kern="1200">
           <a:solidFill>
@@ -3069,7 +3052,7 @@
           <a:p>
             <a:r>
               <a:rPr lang="en-US" altLang="zh-CN" smtClean="0"/>
-              <a:t>2222111122213331113333311211111122</a:t>
+              <a:t>11</a:t>
             </a:r>
             <a:endParaRPr lang="zh-CN" altLang="en-US" dirty="0"/>
           </a:p>
@@ -3090,26 +3073,20 @@
           <a:bodyPr/>
           <a:lstStyle/>
           <a:p>
-            <a:r>
-              <a:rPr lang="en-US" altLang="zh-CN" dirty="0" smtClean="0"/>
-              <a:t>22111111</a:t>
-            </a:r>
-            <a:endParaRPr lang="zh-CN" altLang="en-US" dirty="0"/>
+            <a:endParaRPr lang="zh-CN" altLang="en-US"/>
           </a:p>
         </p:txBody>
       </p:sp>
     </p:spTree>
+    <p:extLst>
+      <p:ext uri="{BB962C8B-B14F-4D97-AF65-F5344CB8AC3E}">
+        <p14:creationId xmlns:p14="http://schemas.microsoft.com/office/powerpoint/2010/main" val="4028511537"/>
+      </p:ext>
+    </p:extLst>
   </p:cSld>
   <p:clrMapOvr>
     <a:masterClrMapping/>
   </p:clrMapOvr>
-  <p:timing>
-    <p:tnLst>
-      <p:par>
-        <p:cTn id="1" dur="indefinite" restart="never" nodeType="tmRoot"/>
-      </p:par>
-    </p:tnLst>
-  </p:timing>
 </p:sld>
 </file>
 
@@ -3391,10 +3368,7 @@
       </a:bgFillStyleLst>
     </a:fmtScheme>
   </a:themeElements>
-  <a:extLst>
-    <a:ext uri="{05A4C25C-085E-4340-85A3-A5531E510DB2}">
-      <thm15:themeFamily xmlns:thm15="http://schemas.microsoft.com/office/thememl/2012/main" name="Office Theme" id="{62F939B6-93AF-4DB8-9C6B-D6C7DFDC589F}" vid="{4A3C46E8-61CC-4603-A589-7422A47A8E4A}"/>
-    </a:ext>
-  </a:extLst>
+  <a:objectDefaults/>
+  <a:extraClrSchemeLst/>
 </a:theme>
 </file>